--- a/4-crewai/04-CrewAI.pptx
+++ b/4-crewai/04-CrewAI.pptx
@@ -119,6 +119,11 @@
       </a:defRPr>
     </a:lvl9pPr>
   </p:defaultTextStyle>
+  <p:extLst>
+    <p:ext uri="{EFAFB233-063F-42B5-8137-9DF3F51BA10A}">
+      <p15:sldGuideLst xmlns:p15="http://schemas.microsoft.com/office/powerpoint/2012/main"/>
+    </p:ext>
+  </p:extLst>
 </p:presentation>
 </file>
 
@@ -271,7 +276,7 @@
           <a:p>
             <a:fld id="{C628D6D5-C533-4795-A94D-C8970A88901C}" type="datetimeFigureOut">
               <a:rPr lang="en-GB" smtClean="0"/>
-              <a:t>08/10/2025</a:t>
+              <a:t>08/11/2025</a:t>
             </a:fld>
             <a:endParaRPr lang="en-GB"/>
           </a:p>
@@ -471,7 +476,7 @@
           <a:p>
             <a:fld id="{C628D6D5-C533-4795-A94D-C8970A88901C}" type="datetimeFigureOut">
               <a:rPr lang="en-GB" smtClean="0"/>
-              <a:t>08/10/2025</a:t>
+              <a:t>08/11/2025</a:t>
             </a:fld>
             <a:endParaRPr lang="en-GB"/>
           </a:p>
@@ -681,7 +686,7 @@
           <a:p>
             <a:fld id="{C628D6D5-C533-4795-A94D-C8970A88901C}" type="datetimeFigureOut">
               <a:rPr lang="en-GB" smtClean="0"/>
-              <a:t>08/10/2025</a:t>
+              <a:t>08/11/2025</a:t>
             </a:fld>
             <a:endParaRPr lang="en-GB"/>
           </a:p>
@@ -881,7 +886,7 @@
           <a:p>
             <a:fld id="{C628D6D5-C533-4795-A94D-C8970A88901C}" type="datetimeFigureOut">
               <a:rPr lang="en-GB" smtClean="0"/>
-              <a:t>08/10/2025</a:t>
+              <a:t>08/11/2025</a:t>
             </a:fld>
             <a:endParaRPr lang="en-GB"/>
           </a:p>
@@ -1157,7 +1162,7 @@
           <a:p>
             <a:fld id="{C628D6D5-C533-4795-A94D-C8970A88901C}" type="datetimeFigureOut">
               <a:rPr lang="en-GB" smtClean="0"/>
-              <a:t>08/10/2025</a:t>
+              <a:t>08/11/2025</a:t>
             </a:fld>
             <a:endParaRPr lang="en-GB"/>
           </a:p>
@@ -1425,7 +1430,7 @@
           <a:p>
             <a:fld id="{C628D6D5-C533-4795-A94D-C8970A88901C}" type="datetimeFigureOut">
               <a:rPr lang="en-GB" smtClean="0"/>
-              <a:t>08/10/2025</a:t>
+              <a:t>08/11/2025</a:t>
             </a:fld>
             <a:endParaRPr lang="en-GB"/>
           </a:p>
@@ -1840,7 +1845,7 @@
           <a:p>
             <a:fld id="{C628D6D5-C533-4795-A94D-C8970A88901C}" type="datetimeFigureOut">
               <a:rPr lang="en-GB" smtClean="0"/>
-              <a:t>08/10/2025</a:t>
+              <a:t>08/11/2025</a:t>
             </a:fld>
             <a:endParaRPr lang="en-GB"/>
           </a:p>
@@ -1982,7 +1987,7 @@
           <a:p>
             <a:fld id="{C628D6D5-C533-4795-A94D-C8970A88901C}" type="datetimeFigureOut">
               <a:rPr lang="en-GB" smtClean="0"/>
-              <a:t>08/10/2025</a:t>
+              <a:t>08/11/2025</a:t>
             </a:fld>
             <a:endParaRPr lang="en-GB"/>
           </a:p>
@@ -2095,7 +2100,7 @@
           <a:p>
             <a:fld id="{C628D6D5-C533-4795-A94D-C8970A88901C}" type="datetimeFigureOut">
               <a:rPr lang="en-GB" smtClean="0"/>
-              <a:t>08/10/2025</a:t>
+              <a:t>08/11/2025</a:t>
             </a:fld>
             <a:endParaRPr lang="en-GB"/>
           </a:p>
@@ -2408,7 +2413,7 @@
           <a:p>
             <a:fld id="{C628D6D5-C533-4795-A94D-C8970A88901C}" type="datetimeFigureOut">
               <a:rPr lang="en-GB" smtClean="0"/>
-              <a:t>08/10/2025</a:t>
+              <a:t>08/11/2025</a:t>
             </a:fld>
             <a:endParaRPr lang="en-GB"/>
           </a:p>
@@ -2697,7 +2702,7 @@
           <a:p>
             <a:fld id="{C628D6D5-C533-4795-A94D-C8970A88901C}" type="datetimeFigureOut">
               <a:rPr lang="en-GB" smtClean="0"/>
-              <a:t>08/10/2025</a:t>
+              <a:t>08/11/2025</a:t>
             </a:fld>
             <a:endParaRPr lang="en-GB"/>
           </a:p>
@@ -2940,7 +2945,7 @@
           <a:p>
             <a:fld id="{C628D6D5-C533-4795-A94D-C8970A88901C}" type="datetimeFigureOut">
               <a:rPr lang="en-GB" smtClean="0"/>
-              <a:t>08/10/2025</a:t>
+              <a:t>08/11/2025</a:t>
             </a:fld>
             <a:endParaRPr lang="en-GB"/>
           </a:p>
@@ -3411,10 +3416,6 @@
           <a:bodyPr/>
           <a:lstStyle/>
           <a:p>
-            <a:r>
-              <a:rPr lang="en-IN"/>
-              <a:t>Atul Kahate</a:t>
-            </a:r>
             <a:endParaRPr lang="en-GB"/>
           </a:p>
         </p:txBody>
@@ -3826,7 +3827,7 @@
                     <a:p>
                       <a:r>
                         <a:rPr lang="en-GB" dirty="0"/>
-                        <a:t>4_1_crewai.py</a:t>
+                        <a:t>4_1_crewai_document_generator.py</a:t>
                       </a:r>
                     </a:p>
                   </a:txBody>
@@ -3880,7 +3881,7 @@
                       </a:pPr>
                       <a:r>
                         <a:rPr lang="en-GB" dirty="0"/>
-                        <a:t>4_2_crewai.py</a:t>
+                        <a:t>4_2_crewai_log_analyzer.py</a:t>
                       </a:r>
                     </a:p>
                   </a:txBody>
@@ -3994,7 +3995,7 @@
                       </a:pPr>
                       <a:r>
                         <a:rPr lang="en-GB" dirty="0"/>
-                        <a:t>4_4_crewai.py</a:t>
+                        <a:t>4_4_crewai_cloud_bill.py</a:t>
                       </a:r>
                     </a:p>
                   </a:txBody>
@@ -4053,7 +4054,7 @@
                       </a:pPr>
                       <a:r>
                         <a:rPr lang="en-GB" dirty="0"/>
-                        <a:t>4_5_crewai.py</a:t>
+                        <a:t>4_5_crewai_observability.py</a:t>
                       </a:r>
                     </a:p>
                   </a:txBody>
@@ -4104,7 +4105,7 @@
                       </a:pPr>
                       <a:r>
                         <a:rPr lang="en-GB" dirty="0"/>
-                        <a:t>4_6_crewai.py</a:t>
+                        <a:t>4_6_crewai_stock_analysis.py</a:t>
                       </a:r>
                     </a:p>
                   </a:txBody>
@@ -4165,7 +4166,15 @@
                       </a:pPr>
                       <a:r>
                         <a:rPr lang="en-IN" dirty="0"/>
-                        <a:t>4_7_crewai.py</a:t>
+                        <a:t>4_7</a:t>
+                      </a:r>
+                      <a:r>
+                        <a:rPr lang="en-IN"/>
+                        <a:t>_crewai_customer_service.</a:t>
+                      </a:r>
+                      <a:r>
+                        <a:rPr lang="en-IN" dirty="0"/>
+                        <a:t>py</a:t>
                       </a:r>
                       <a:endParaRPr lang="en-GB" dirty="0"/>
                     </a:p>
